--- a/wireframing-tools.pptx
+++ b/wireframing-tools.pptx
@@ -326,7 +326,7 @@
           <a:p>
             <a:fld id="{E30FA3E6-2B9E-47D8-BEDE-0391B548FBEB}" type="datetimeFigureOut">
               <a:rPr lang="en-US" smtClean="0"/>
-              <a:t>11/30/2019</a:t>
+              <a:t>12/1/2019</a:t>
             </a:fld>
             <a:endParaRPr lang="en-US"/>
           </a:p>
@@ -491,7 +491,7 @@
           <a:p>
             <a:fld id="{E30FA3E6-2B9E-47D8-BEDE-0391B548FBEB}" type="datetimeFigureOut">
               <a:rPr lang="en-US" smtClean="0"/>
-              <a:t>11/30/2019</a:t>
+              <a:t>12/1/2019</a:t>
             </a:fld>
             <a:endParaRPr lang="en-US"/>
           </a:p>
@@ -666,7 +666,7 @@
           <a:p>
             <a:fld id="{E30FA3E6-2B9E-47D8-BEDE-0391B548FBEB}" type="datetimeFigureOut">
               <a:rPr lang="en-US" smtClean="0"/>
-              <a:t>11/30/2019</a:t>
+              <a:t>12/1/2019</a:t>
             </a:fld>
             <a:endParaRPr lang="en-US"/>
           </a:p>
@@ -831,7 +831,7 @@
           <a:p>
             <a:fld id="{E30FA3E6-2B9E-47D8-BEDE-0391B548FBEB}" type="datetimeFigureOut">
               <a:rPr lang="en-US" smtClean="0"/>
-              <a:t>11/30/2019</a:t>
+              <a:t>12/1/2019</a:t>
             </a:fld>
             <a:endParaRPr lang="en-US"/>
           </a:p>
@@ -1072,7 +1072,7 @@
           <a:p>
             <a:fld id="{E30FA3E6-2B9E-47D8-BEDE-0391B548FBEB}" type="datetimeFigureOut">
               <a:rPr lang="en-US" smtClean="0"/>
-              <a:t>11/30/2019</a:t>
+              <a:t>12/1/2019</a:t>
             </a:fld>
             <a:endParaRPr lang="en-US"/>
           </a:p>
@@ -1355,7 +1355,7 @@
           <a:p>
             <a:fld id="{E30FA3E6-2B9E-47D8-BEDE-0391B548FBEB}" type="datetimeFigureOut">
               <a:rPr lang="en-US" smtClean="0"/>
-              <a:t>11/30/2019</a:t>
+              <a:t>12/1/2019</a:t>
             </a:fld>
             <a:endParaRPr lang="en-US"/>
           </a:p>
@@ -1784,7 +1784,7 @@
           <a:p>
             <a:fld id="{E30FA3E6-2B9E-47D8-BEDE-0391B548FBEB}" type="datetimeFigureOut">
               <a:rPr lang="en-US" smtClean="0"/>
-              <a:t>11/30/2019</a:t>
+              <a:t>12/1/2019</a:t>
             </a:fld>
             <a:endParaRPr lang="en-US"/>
           </a:p>
@@ -1897,7 +1897,7 @@
           <a:p>
             <a:fld id="{E30FA3E6-2B9E-47D8-BEDE-0391B548FBEB}" type="datetimeFigureOut">
               <a:rPr lang="en-US" smtClean="0"/>
-              <a:t>11/30/2019</a:t>
+              <a:t>12/1/2019</a:t>
             </a:fld>
             <a:endParaRPr lang="en-US"/>
           </a:p>
@@ -1987,7 +1987,7 @@
           <a:p>
             <a:fld id="{E30FA3E6-2B9E-47D8-BEDE-0391B548FBEB}" type="datetimeFigureOut">
               <a:rPr lang="en-US" smtClean="0"/>
-              <a:t>11/30/2019</a:t>
+              <a:t>12/1/2019</a:t>
             </a:fld>
             <a:endParaRPr lang="en-US"/>
           </a:p>
@@ -2176,7 +2176,7 @@
           <a:p>
             <a:fld id="{E30FA3E6-2B9E-47D8-BEDE-0391B548FBEB}" type="datetimeFigureOut">
               <a:rPr lang="en-US" smtClean="0"/>
-              <a:t>11/30/2019</a:t>
+              <a:t>12/1/2019</a:t>
             </a:fld>
             <a:endParaRPr lang="en-US"/>
           </a:p>
@@ -2494,7 +2494,7 @@
           <a:p>
             <a:fld id="{E30FA3E6-2B9E-47D8-BEDE-0391B548FBEB}" type="datetimeFigureOut">
               <a:rPr lang="en-US" smtClean="0"/>
-              <a:t>11/30/2019</a:t>
+              <a:t>12/1/2019</a:t>
             </a:fld>
             <a:endParaRPr lang="en-US"/>
           </a:p>
@@ -2873,7 +2873,7 @@
           <a:p>
             <a:fld id="{E30FA3E6-2B9E-47D8-BEDE-0391B548FBEB}" type="datetimeFigureOut">
               <a:rPr lang="en-US" smtClean="0"/>
-              <a:t>11/30/2019</a:t>
+              <a:t>12/1/2019</a:t>
             </a:fld>
             <a:endParaRPr lang="en-US"/>
           </a:p>
@@ -3253,7 +3253,7 @@
           <a:lstStyle/>
           <a:p>
             <a:r>
-              <a:rPr lang="fr-MA" dirty="0" smtClean="0"/>
+              <a:rPr lang="fr-MA" dirty="0"/>
               <a:t>Réaliser Par :</a:t>
             </a:r>
           </a:p>
@@ -3266,14 +3266,17 @@
               <a:buChar char="•"/>
             </a:pPr>
             <a:r>
-              <a:rPr lang="fr-MA" dirty="0" smtClean="0"/>
+              <a:rPr lang="fr-MA" dirty="0"/>
               <a:t>Taoufiq </a:t>
             </a:r>
             <a:r>
-              <a:rPr lang="fr-MA" dirty="0" err="1" smtClean="0"/>
+              <a:rPr lang="fr-MA" dirty="0" err="1"/>
               <a:t>Rhouas</a:t>
             </a:r>
-            <a:endParaRPr lang="fr-MA" dirty="0" smtClean="0"/>
+            <a:r>
+              <a:rPr lang="fr-MA" dirty="0"/>
+              <a:t> (page accueil )</a:t>
+            </a:r>
           </a:p>
           <a:p>
             <a:pPr marL="342900" indent="-342900">
@@ -3281,18 +3284,21 @@
               <a:buChar char="•"/>
             </a:pPr>
             <a:r>
-              <a:rPr lang="fr-MA" dirty="0" err="1" smtClean="0"/>
+              <a:rPr lang="fr-MA" dirty="0" err="1"/>
               <a:t>Naoufal</a:t>
             </a:r>
             <a:r>
-              <a:rPr lang="fr-MA" dirty="0" smtClean="0"/>
+              <a:rPr lang="fr-MA" dirty="0"/>
               <a:t> </a:t>
             </a:r>
             <a:r>
-              <a:rPr lang="fr-MA" dirty="0" err="1" smtClean="0"/>
+              <a:rPr lang="fr-MA" dirty="0" err="1"/>
               <a:t>Benmansour</a:t>
             </a:r>
-            <a:endParaRPr lang="fr-MA" dirty="0" smtClean="0"/>
+            <a:r>
+              <a:rPr lang="fr-MA" dirty="0"/>
+              <a:t> (page contact)</a:t>
+            </a:r>
           </a:p>
           <a:p>
             <a:pPr marL="342900" indent="-342900">
@@ -3300,12 +3306,16 @@
               <a:buChar char="•"/>
             </a:pPr>
             <a:r>
-              <a:rPr lang="fr-MA" dirty="0" smtClean="0"/>
+              <a:rPr lang="fr-MA" dirty="0"/>
               <a:t>Mohammed Amine </a:t>
             </a:r>
             <a:r>
-              <a:rPr lang="fr-MA" dirty="0" err="1" smtClean="0"/>
+              <a:rPr lang="fr-MA" dirty="0" err="1"/>
               <a:t>Bettaoui</a:t>
+            </a:r>
+            <a:r>
+              <a:rPr lang="fr-MA" dirty="0"/>
+              <a:t> (page menu)</a:t>
             </a:r>
             <a:endParaRPr lang="en-US" dirty="0"/>
           </a:p>
